--- a/RedShift.pptx
+++ b/RedShift.pptx
@@ -23,6 +23,13 @@
     <p:sldId id="270" r:id="rId17"/>
     <p:sldId id="272" r:id="rId18"/>
     <p:sldId id="273" r:id="rId19"/>
+    <p:sldId id="274" r:id="rId20"/>
+    <p:sldId id="275" r:id="rId21"/>
+    <p:sldId id="276" r:id="rId22"/>
+    <p:sldId id="277" r:id="rId23"/>
+    <p:sldId id="278" r:id="rId24"/>
+    <p:sldId id="279" r:id="rId25"/>
+    <p:sldId id="280" r:id="rId26"/>
   </p:sldIdLst>
   <p:sldSz cx="12192000" cy="6858000"/>
   <p:notesSz cx="6858000" cy="9144000"/>
@@ -121,6 +128,11 @@
       </a:defRPr>
     </a:lvl9pPr>
   </p:defaultTextStyle>
+  <p:extLst>
+    <p:ext uri="{EFAFB233-063F-42B5-8137-9DF3F51BA10A}">
+      <p15:sldGuideLst xmlns:p15="http://schemas.microsoft.com/office/powerpoint/2012/main"/>
+    </p:ext>
+  </p:extLst>
 </p:presentation>
 </file>
 
@@ -310,7 +322,7 @@
           <a:p>
             <a:fld id="{7FB16B98-C1DD-4896-BDE4-A776532A7E00}" type="datetimeFigureOut">
               <a:rPr lang="en-IN" smtClean="0"/>
-              <a:t>2020/05/21</a:t>
+              <a:t>2020/05/22</a:t>
             </a:fld>
             <a:endParaRPr lang="en-IN"/>
           </a:p>
@@ -585,7 +597,7 @@
           <a:p>
             <a:fld id="{7FB16B98-C1DD-4896-BDE4-A776532A7E00}" type="datetimeFigureOut">
               <a:rPr lang="en-IN" smtClean="0"/>
-              <a:t>2020/05/21</a:t>
+              <a:t>2020/05/22</a:t>
             </a:fld>
             <a:endParaRPr lang="en-IN"/>
           </a:p>
@@ -779,7 +791,7 @@
           <a:p>
             <a:fld id="{7FB16B98-C1DD-4896-BDE4-A776532A7E00}" type="datetimeFigureOut">
               <a:rPr lang="en-IN" smtClean="0"/>
-              <a:t>2020/05/21</a:t>
+              <a:t>2020/05/22</a:t>
             </a:fld>
             <a:endParaRPr lang="en-IN"/>
           </a:p>
@@ -1052,7 +1064,7 @@
           <a:p>
             <a:fld id="{7FB16B98-C1DD-4896-BDE4-A776532A7E00}" type="datetimeFigureOut">
               <a:rPr lang="en-IN" smtClean="0"/>
-              <a:t>2020/05/21</a:t>
+              <a:t>2020/05/22</a:t>
             </a:fld>
             <a:endParaRPr lang="en-IN"/>
           </a:p>
@@ -1393,7 +1405,7 @@
           <a:p>
             <a:fld id="{7FB16B98-C1DD-4896-BDE4-A776532A7E00}" type="datetimeFigureOut">
               <a:rPr lang="en-IN" smtClean="0"/>
-              <a:t>2020/05/21</a:t>
+              <a:t>2020/05/22</a:t>
             </a:fld>
             <a:endParaRPr lang="en-IN"/>
           </a:p>
@@ -2016,7 +2028,7 @@
           <a:p>
             <a:fld id="{7FB16B98-C1DD-4896-BDE4-A776532A7E00}" type="datetimeFigureOut">
               <a:rPr lang="en-IN" smtClean="0"/>
-              <a:t>2020/05/21</a:t>
+              <a:t>2020/05/22</a:t>
             </a:fld>
             <a:endParaRPr lang="en-IN"/>
           </a:p>
@@ -2876,7 +2888,7 @@
           <a:p>
             <a:fld id="{7FB16B98-C1DD-4896-BDE4-A776532A7E00}" type="datetimeFigureOut">
               <a:rPr lang="en-IN" smtClean="0"/>
-              <a:t>2020/05/21</a:t>
+              <a:t>2020/05/22</a:t>
             </a:fld>
             <a:endParaRPr lang="en-IN"/>
           </a:p>
@@ -3046,7 +3058,7 @@
           <a:p>
             <a:fld id="{7FB16B98-C1DD-4896-BDE4-A776532A7E00}" type="datetimeFigureOut">
               <a:rPr lang="en-IN" smtClean="0"/>
-              <a:t>2020/05/21</a:t>
+              <a:t>2020/05/22</a:t>
             </a:fld>
             <a:endParaRPr lang="en-IN"/>
           </a:p>
@@ -3226,7 +3238,7 @@
           <a:p>
             <a:fld id="{7FB16B98-C1DD-4896-BDE4-A776532A7E00}" type="datetimeFigureOut">
               <a:rPr lang="en-IN" smtClean="0"/>
-              <a:t>2020/05/21</a:t>
+              <a:t>2020/05/22</a:t>
             </a:fld>
             <a:endParaRPr lang="en-IN"/>
           </a:p>
@@ -3396,7 +3408,7 @@
           <a:p>
             <a:fld id="{7FB16B98-C1DD-4896-BDE4-A776532A7E00}" type="datetimeFigureOut">
               <a:rPr lang="en-IN" smtClean="0"/>
-              <a:t>2020/05/21</a:t>
+              <a:t>2020/05/22</a:t>
             </a:fld>
             <a:endParaRPr lang="en-IN"/>
           </a:p>
@@ -3643,7 +3655,7 @@
           <a:p>
             <a:fld id="{7FB16B98-C1DD-4896-BDE4-A776532A7E00}" type="datetimeFigureOut">
               <a:rPr lang="en-IN" smtClean="0"/>
-              <a:t>2020/05/21</a:t>
+              <a:t>2020/05/22</a:t>
             </a:fld>
             <a:endParaRPr lang="en-IN"/>
           </a:p>
@@ -3935,7 +3947,7 @@
           <a:p>
             <a:fld id="{7FB16B98-C1DD-4896-BDE4-A776532A7E00}" type="datetimeFigureOut">
               <a:rPr lang="en-IN" smtClean="0"/>
-              <a:t>2020/05/21</a:t>
+              <a:t>2020/05/22</a:t>
             </a:fld>
             <a:endParaRPr lang="en-IN"/>
           </a:p>
@@ -4379,7 +4391,7 @@
           <a:p>
             <a:fld id="{7FB16B98-C1DD-4896-BDE4-A776532A7E00}" type="datetimeFigureOut">
               <a:rPr lang="en-IN" smtClean="0"/>
-              <a:t>2020/05/21</a:t>
+              <a:t>2020/05/22</a:t>
             </a:fld>
             <a:endParaRPr lang="en-IN"/>
           </a:p>
@@ -4497,7 +4509,7 @@
           <a:p>
             <a:fld id="{7FB16B98-C1DD-4896-BDE4-A776532A7E00}" type="datetimeFigureOut">
               <a:rPr lang="en-IN" smtClean="0"/>
-              <a:t>2020/05/21</a:t>
+              <a:t>2020/05/22</a:t>
             </a:fld>
             <a:endParaRPr lang="en-IN"/>
           </a:p>
@@ -4592,7 +4604,7 @@
           <a:p>
             <a:fld id="{7FB16B98-C1DD-4896-BDE4-A776532A7E00}" type="datetimeFigureOut">
               <a:rPr lang="en-IN" smtClean="0"/>
-              <a:t>2020/05/21</a:t>
+              <a:t>2020/05/22</a:t>
             </a:fld>
             <a:endParaRPr lang="en-IN"/>
           </a:p>
@@ -4871,7 +4883,7 @@
           <a:p>
             <a:fld id="{7FB16B98-C1DD-4896-BDE4-A776532A7E00}" type="datetimeFigureOut">
               <a:rPr lang="en-IN" smtClean="0"/>
-              <a:t>2020/05/21</a:t>
+              <a:t>2020/05/22</a:t>
             </a:fld>
             <a:endParaRPr lang="en-IN"/>
           </a:p>
@@ -5146,7 +5158,7 @@
           <a:p>
             <a:fld id="{7FB16B98-C1DD-4896-BDE4-A776532A7E00}" type="datetimeFigureOut">
               <a:rPr lang="en-IN" smtClean="0"/>
-              <a:t>2020/05/21</a:t>
+              <a:t>2020/05/22</a:t>
             </a:fld>
             <a:endParaRPr lang="en-IN"/>
           </a:p>
@@ -5575,7 +5587,7 @@
           <a:p>
             <a:fld id="{7FB16B98-C1DD-4896-BDE4-A776532A7E00}" type="datetimeFigureOut">
               <a:rPr lang="en-IN" smtClean="0"/>
-              <a:t>2020/05/21</a:t>
+              <a:t>2020/05/22</a:t>
             </a:fld>
             <a:endParaRPr lang="en-IN"/>
           </a:p>
@@ -8576,6 +8588,111 @@
 </p:sld>
 </file>
 
+<file path=ppt/slides/slide19.xml><?xml version="1.0" encoding="utf-8"?>
+<p:sld xmlns:a="http://schemas.openxmlformats.org/drawingml/2006/main" xmlns:r="http://schemas.openxmlformats.org/officeDocument/2006/relationships" xmlns:p="http://schemas.openxmlformats.org/presentationml/2006/main">
+  <p:cSld>
+    <p:spTree>
+      <p:nvGrpSpPr>
+        <p:cNvPr id="1" name=""/>
+        <p:cNvGrpSpPr/>
+        <p:nvPr/>
+      </p:nvGrpSpPr>
+      <p:grpSpPr>
+        <a:xfrm>
+          <a:off x="0" y="0"/>
+          <a:ext cx="0" cy="0"/>
+          <a:chOff x="0" y="0"/>
+          <a:chExt cx="0" cy="0"/>
+        </a:xfrm>
+      </p:grpSpPr>
+      <p:sp>
+        <p:nvSpPr>
+          <p:cNvPr id="2" name="Title 1">
+            <a:extLst>
+              <a:ext uri="{FF2B5EF4-FFF2-40B4-BE49-F238E27FC236}">
+                <a16:creationId xmlns:a16="http://schemas.microsoft.com/office/drawing/2014/main" id="{95191B10-2FD2-49FF-8677-DB2ACBA159DA}"/>
+              </a:ext>
+            </a:extLst>
+          </p:cNvPr>
+          <p:cNvSpPr>
+            <a:spLocks noGrp="1"/>
+          </p:cNvSpPr>
+          <p:nvPr>
+            <p:ph type="title"/>
+          </p:nvPr>
+        </p:nvSpPr>
+        <p:spPr/>
+        <p:txBody>
+          <a:bodyPr/>
+          <a:lstStyle/>
+          <a:p>
+            <a:endParaRPr lang="en-IN"/>
+          </a:p>
+        </p:txBody>
+      </p:sp>
+      <p:sp>
+        <p:nvSpPr>
+          <p:cNvPr id="3" name="Content Placeholder 2">
+            <a:extLst>
+              <a:ext uri="{FF2B5EF4-FFF2-40B4-BE49-F238E27FC236}">
+                <a16:creationId xmlns:a16="http://schemas.microsoft.com/office/drawing/2014/main" id="{8353A92B-9715-405E-9112-3BE3572942DB}"/>
+              </a:ext>
+            </a:extLst>
+          </p:cNvPr>
+          <p:cNvSpPr>
+            <a:spLocks noGrp="1"/>
+          </p:cNvSpPr>
+          <p:nvPr>
+            <p:ph idx="1"/>
+          </p:nvPr>
+        </p:nvSpPr>
+        <p:spPr/>
+        <p:txBody>
+          <a:bodyPr/>
+          <a:lstStyle/>
+          <a:p>
+            <a:r>
+              <a:rPr lang="en-IN" dirty="0"/>
+              <a:t>SQL with some extra features for copy data's from various location, format and handle large amount of data</a:t>
+            </a:r>
+          </a:p>
+          <a:p>
+            <a:r>
+              <a:rPr lang="en-IN" dirty="0"/>
+              <a:t>DS2 – </a:t>
+            </a:r>
+            <a:r>
+              <a:rPr lang="en-US" dirty="0"/>
+              <a:t>Large workloads with fixed local HDD storage</a:t>
+            </a:r>
+            <a:endParaRPr lang="en-IN" dirty="0"/>
+          </a:p>
+          <a:p>
+            <a:r>
+              <a:rPr lang="en-IN" dirty="0"/>
+              <a:t>DC2 – </a:t>
+            </a:r>
+            <a:r>
+              <a:rPr lang="en-US" dirty="0"/>
+              <a:t>High performance with fixed local SSD storage</a:t>
+            </a:r>
+            <a:endParaRPr lang="en-IN" dirty="0"/>
+          </a:p>
+        </p:txBody>
+      </p:sp>
+    </p:spTree>
+    <p:extLst>
+      <p:ext uri="{BB962C8B-B14F-4D97-AF65-F5344CB8AC3E}">
+        <p14:creationId xmlns:p14="http://schemas.microsoft.com/office/powerpoint/2010/main" val="2017130444"/>
+      </p:ext>
+    </p:extLst>
+  </p:cSld>
+  <p:clrMapOvr>
+    <a:masterClrMapping/>
+  </p:clrMapOvr>
+</p:sld>
+</file>
+
 <file path=ppt/slides/slide2.xml><?xml version="1.0" encoding="utf-8"?>
 <p:sld xmlns:a="http://schemas.openxmlformats.org/drawingml/2006/main" xmlns:r="http://schemas.openxmlformats.org/officeDocument/2006/relationships" xmlns:p="http://schemas.openxmlformats.org/presentationml/2006/main">
   <p:cSld>
@@ -8671,6 +8788,911 @@
     <p:extLst>
       <p:ext uri="{BB962C8B-B14F-4D97-AF65-F5344CB8AC3E}">
         <p14:creationId xmlns:p14="http://schemas.microsoft.com/office/powerpoint/2010/main" val="3832639355"/>
+      </p:ext>
+    </p:extLst>
+  </p:cSld>
+  <p:clrMapOvr>
+    <a:masterClrMapping/>
+  </p:clrMapOvr>
+</p:sld>
+</file>
+
+<file path=ppt/slides/slide20.xml><?xml version="1.0" encoding="utf-8"?>
+<p:sld xmlns:a="http://schemas.openxmlformats.org/drawingml/2006/main" xmlns:r="http://schemas.openxmlformats.org/officeDocument/2006/relationships" xmlns:p="http://schemas.openxmlformats.org/presentationml/2006/main">
+  <p:cSld>
+    <p:spTree>
+      <p:nvGrpSpPr>
+        <p:cNvPr id="1" name=""/>
+        <p:cNvGrpSpPr/>
+        <p:nvPr/>
+      </p:nvGrpSpPr>
+      <p:grpSpPr>
+        <a:xfrm>
+          <a:off x="0" y="0"/>
+          <a:ext cx="0" cy="0"/>
+          <a:chOff x="0" y="0"/>
+          <a:chExt cx="0" cy="0"/>
+        </a:xfrm>
+      </p:grpSpPr>
+      <p:sp>
+        <p:nvSpPr>
+          <p:cNvPr id="2" name="Title 1">
+            <a:extLst>
+              <a:ext uri="{FF2B5EF4-FFF2-40B4-BE49-F238E27FC236}">
+                <a16:creationId xmlns:a16="http://schemas.microsoft.com/office/drawing/2014/main" id="{21DD2395-9BF9-42BD-98D2-470835AD13C9}"/>
+              </a:ext>
+            </a:extLst>
+          </p:cNvPr>
+          <p:cNvSpPr>
+            <a:spLocks noGrp="1"/>
+          </p:cNvSpPr>
+          <p:nvPr>
+            <p:ph type="title"/>
+          </p:nvPr>
+        </p:nvSpPr>
+        <p:spPr/>
+        <p:txBody>
+          <a:bodyPr/>
+          <a:lstStyle/>
+          <a:p>
+            <a:r>
+              <a:rPr lang="en-IN" dirty="0"/>
+              <a:t>IAM ROLE</a:t>
+            </a:r>
+          </a:p>
+        </p:txBody>
+      </p:sp>
+      <p:sp>
+        <p:nvSpPr>
+          <p:cNvPr id="3" name="Content Placeholder 2">
+            <a:extLst>
+              <a:ext uri="{FF2B5EF4-FFF2-40B4-BE49-F238E27FC236}">
+                <a16:creationId xmlns:a16="http://schemas.microsoft.com/office/drawing/2014/main" id="{346E1F1A-F852-4707-9790-83B76EA1E2B4}"/>
+              </a:ext>
+            </a:extLst>
+          </p:cNvPr>
+          <p:cNvSpPr>
+            <a:spLocks noGrp="1"/>
+          </p:cNvSpPr>
+          <p:nvPr>
+            <p:ph idx="1"/>
+          </p:nvPr>
+        </p:nvSpPr>
+        <p:spPr/>
+        <p:txBody>
+          <a:bodyPr/>
+          <a:lstStyle/>
+          <a:p>
+            <a:r>
+              <a:rPr lang="en-IN" dirty="0"/>
+              <a:t>Instead of giving permissions to users, Group of users, IAM ROLE is nothing but offering the permission from one AWS service to another AWS service</a:t>
+            </a:r>
+          </a:p>
+          <a:p>
+            <a:r>
+              <a:rPr lang="en-IN" dirty="0"/>
+              <a:t>Ex : ec2 to s3 bucket full access </a:t>
+            </a:r>
+          </a:p>
+        </p:txBody>
+      </p:sp>
+    </p:spTree>
+    <p:extLst>
+      <p:ext uri="{BB962C8B-B14F-4D97-AF65-F5344CB8AC3E}">
+        <p14:creationId xmlns:p14="http://schemas.microsoft.com/office/powerpoint/2010/main" val="3515073858"/>
+      </p:ext>
+    </p:extLst>
+  </p:cSld>
+  <p:clrMapOvr>
+    <a:masterClrMapping/>
+  </p:clrMapOvr>
+</p:sld>
+</file>
+
+<file path=ppt/slides/slide21.xml><?xml version="1.0" encoding="utf-8"?>
+<p:sld xmlns:a="http://schemas.openxmlformats.org/drawingml/2006/main" xmlns:r="http://schemas.openxmlformats.org/officeDocument/2006/relationships" xmlns:p="http://schemas.openxmlformats.org/presentationml/2006/main">
+  <p:cSld>
+    <p:spTree>
+      <p:nvGrpSpPr>
+        <p:cNvPr id="1" name=""/>
+        <p:cNvGrpSpPr/>
+        <p:nvPr/>
+      </p:nvGrpSpPr>
+      <p:grpSpPr>
+        <a:xfrm>
+          <a:off x="0" y="0"/>
+          <a:ext cx="0" cy="0"/>
+          <a:chOff x="0" y="0"/>
+          <a:chExt cx="0" cy="0"/>
+        </a:xfrm>
+      </p:grpSpPr>
+      <p:sp>
+        <p:nvSpPr>
+          <p:cNvPr id="2" name="Title 1">
+            <a:extLst>
+              <a:ext uri="{FF2B5EF4-FFF2-40B4-BE49-F238E27FC236}">
+                <a16:creationId xmlns:a16="http://schemas.microsoft.com/office/drawing/2014/main" id="{A2487883-BCA5-4B13-BAC5-D819F838069D}"/>
+              </a:ext>
+            </a:extLst>
+          </p:cNvPr>
+          <p:cNvSpPr>
+            <a:spLocks noGrp="1"/>
+          </p:cNvSpPr>
+          <p:nvPr>
+            <p:ph type="title"/>
+          </p:nvPr>
+        </p:nvSpPr>
+        <p:spPr/>
+        <p:txBody>
+          <a:bodyPr/>
+          <a:lstStyle/>
+          <a:p>
+            <a:r>
+              <a:rPr lang="en-IN" dirty="0"/>
+              <a:t>Postgres Commands</a:t>
+            </a:r>
+          </a:p>
+        </p:txBody>
+      </p:sp>
+      <p:sp>
+        <p:nvSpPr>
+          <p:cNvPr id="3" name="Content Placeholder 2">
+            <a:extLst>
+              <a:ext uri="{FF2B5EF4-FFF2-40B4-BE49-F238E27FC236}">
+                <a16:creationId xmlns:a16="http://schemas.microsoft.com/office/drawing/2014/main" id="{00783470-E539-429A-8B62-2D5CF2FCDFE3}"/>
+              </a:ext>
+            </a:extLst>
+          </p:cNvPr>
+          <p:cNvSpPr>
+            <a:spLocks noGrp="1"/>
+          </p:cNvSpPr>
+          <p:nvPr>
+            <p:ph idx="1"/>
+          </p:nvPr>
+        </p:nvSpPr>
+        <p:spPr/>
+        <p:txBody>
+          <a:bodyPr/>
+          <a:lstStyle/>
+          <a:p>
+            <a:r>
+              <a:rPr lang="en-IN" dirty="0"/>
+              <a:t>\h – \help</a:t>
+            </a:r>
+          </a:p>
+          <a:p>
+            <a:r>
+              <a:rPr lang="en-IN" dirty="0"/>
+              <a:t>\q or \quit</a:t>
+            </a:r>
+          </a:p>
+          <a:p>
+            <a:r>
+              <a:rPr lang="en-IN" dirty="0"/>
+              <a:t>\l or \list</a:t>
+            </a:r>
+          </a:p>
+          <a:p>
+            <a:r>
+              <a:rPr lang="en-IN" dirty="0"/>
+              <a:t>\d or </a:t>
+            </a:r>
+          </a:p>
+          <a:p>
+            <a:r>
+              <a:rPr lang="en-IN" dirty="0"/>
+              <a:t>Create database demo;</a:t>
+            </a:r>
+          </a:p>
+          <a:p>
+            <a:r>
+              <a:rPr lang="en-IN" dirty="0"/>
+              <a:t>\c demo;</a:t>
+            </a:r>
+          </a:p>
+          <a:p>
+            <a:endParaRPr lang="en-IN" dirty="0"/>
+          </a:p>
+        </p:txBody>
+      </p:sp>
+    </p:spTree>
+    <p:extLst>
+      <p:ext uri="{BB962C8B-B14F-4D97-AF65-F5344CB8AC3E}">
+        <p14:creationId xmlns:p14="http://schemas.microsoft.com/office/powerpoint/2010/main" val="2613639857"/>
+      </p:ext>
+    </p:extLst>
+  </p:cSld>
+  <p:clrMapOvr>
+    <a:masterClrMapping/>
+  </p:clrMapOvr>
+</p:sld>
+</file>
+
+<file path=ppt/slides/slide22.xml><?xml version="1.0" encoding="utf-8"?>
+<p:sld xmlns:a="http://schemas.openxmlformats.org/drawingml/2006/main" xmlns:r="http://schemas.openxmlformats.org/officeDocument/2006/relationships" xmlns:p="http://schemas.openxmlformats.org/presentationml/2006/main">
+  <p:cSld>
+    <p:spTree>
+      <p:nvGrpSpPr>
+        <p:cNvPr id="1" name=""/>
+        <p:cNvGrpSpPr/>
+        <p:nvPr/>
+      </p:nvGrpSpPr>
+      <p:grpSpPr>
+        <a:xfrm>
+          <a:off x="0" y="0"/>
+          <a:ext cx="0" cy="0"/>
+          <a:chOff x="0" y="0"/>
+          <a:chExt cx="0" cy="0"/>
+        </a:xfrm>
+      </p:grpSpPr>
+      <p:sp>
+        <p:nvSpPr>
+          <p:cNvPr id="2" name="Title 1">
+            <a:extLst>
+              <a:ext uri="{FF2B5EF4-FFF2-40B4-BE49-F238E27FC236}">
+                <a16:creationId xmlns:a16="http://schemas.microsoft.com/office/drawing/2014/main" id="{C65B2356-B700-49BB-B644-51892FE456B3}"/>
+              </a:ext>
+            </a:extLst>
+          </p:cNvPr>
+          <p:cNvSpPr>
+            <a:spLocks noGrp="1"/>
+          </p:cNvSpPr>
+          <p:nvPr>
+            <p:ph type="title"/>
+          </p:nvPr>
+        </p:nvSpPr>
+        <p:spPr/>
+        <p:txBody>
+          <a:bodyPr/>
+          <a:lstStyle/>
+          <a:p>
+            <a:endParaRPr lang="en-IN"/>
+          </a:p>
+        </p:txBody>
+      </p:sp>
+      <p:sp>
+        <p:nvSpPr>
+          <p:cNvPr id="3" name="Content Placeholder 2">
+            <a:extLst>
+              <a:ext uri="{FF2B5EF4-FFF2-40B4-BE49-F238E27FC236}">
+                <a16:creationId xmlns:a16="http://schemas.microsoft.com/office/drawing/2014/main" id="{17080B66-F81E-4E53-9BC7-BE0051C02EE3}"/>
+              </a:ext>
+            </a:extLst>
+          </p:cNvPr>
+          <p:cNvSpPr>
+            <a:spLocks noGrp="1"/>
+          </p:cNvSpPr>
+          <p:nvPr>
+            <p:ph idx="1"/>
+          </p:nvPr>
+        </p:nvSpPr>
+        <p:spPr/>
+        <p:txBody>
+          <a:bodyPr/>
+          <a:lstStyle/>
+          <a:p>
+            <a:r>
+              <a:rPr lang="en-IN" dirty="0"/>
+              <a:t>Login in to your cloud academy link and try the practical on </a:t>
+            </a:r>
+            <a:r>
+              <a:rPr lang="en-IN" dirty="0" err="1"/>
+              <a:t>redshit</a:t>
+            </a:r>
+            <a:r>
+              <a:rPr lang="en-IN" dirty="0"/>
+              <a:t>?</a:t>
+            </a:r>
+          </a:p>
+        </p:txBody>
+      </p:sp>
+    </p:spTree>
+    <p:extLst>
+      <p:ext uri="{BB962C8B-B14F-4D97-AF65-F5344CB8AC3E}">
+        <p14:creationId xmlns:p14="http://schemas.microsoft.com/office/powerpoint/2010/main" val="129134338"/>
+      </p:ext>
+    </p:extLst>
+  </p:cSld>
+  <p:clrMapOvr>
+    <a:masterClrMapping/>
+  </p:clrMapOvr>
+</p:sld>
+</file>
+
+<file path=ppt/slides/slide23.xml><?xml version="1.0" encoding="utf-8"?>
+<p:sld xmlns:a="http://schemas.openxmlformats.org/drawingml/2006/main" xmlns:r="http://schemas.openxmlformats.org/officeDocument/2006/relationships" xmlns:p="http://schemas.openxmlformats.org/presentationml/2006/main">
+  <p:cSld>
+    <p:spTree>
+      <p:nvGrpSpPr>
+        <p:cNvPr id="1" name=""/>
+        <p:cNvGrpSpPr/>
+        <p:nvPr/>
+      </p:nvGrpSpPr>
+      <p:grpSpPr>
+        <a:xfrm>
+          <a:off x="0" y="0"/>
+          <a:ext cx="0" cy="0"/>
+          <a:chOff x="0" y="0"/>
+          <a:chExt cx="0" cy="0"/>
+        </a:xfrm>
+      </p:grpSpPr>
+      <p:sp>
+        <p:nvSpPr>
+          <p:cNvPr id="2" name="Title 1">
+            <a:extLst>
+              <a:ext uri="{FF2B5EF4-FFF2-40B4-BE49-F238E27FC236}">
+                <a16:creationId xmlns:a16="http://schemas.microsoft.com/office/drawing/2014/main" id="{8E639FE9-1B65-4C98-9757-833034CA2CC3}"/>
+              </a:ext>
+            </a:extLst>
+          </p:cNvPr>
+          <p:cNvSpPr>
+            <a:spLocks noGrp="1"/>
+          </p:cNvSpPr>
+          <p:nvPr>
+            <p:ph type="title"/>
+          </p:nvPr>
+        </p:nvSpPr>
+        <p:spPr/>
+        <p:txBody>
+          <a:bodyPr/>
+          <a:lstStyle/>
+          <a:p>
+            <a:r>
+              <a:rPr lang="en-IN" dirty="0"/>
+              <a:t>Cloud Academy</a:t>
+            </a:r>
+          </a:p>
+        </p:txBody>
+      </p:sp>
+      <p:sp>
+        <p:nvSpPr>
+          <p:cNvPr id="3" name="Content Placeholder 2">
+            <a:extLst>
+              <a:ext uri="{FF2B5EF4-FFF2-40B4-BE49-F238E27FC236}">
+                <a16:creationId xmlns:a16="http://schemas.microsoft.com/office/drawing/2014/main" id="{776988E6-E2F3-49BC-9D18-BE96215DF9A2}"/>
+              </a:ext>
+            </a:extLst>
+          </p:cNvPr>
+          <p:cNvSpPr>
+            <a:spLocks noGrp="1"/>
+          </p:cNvSpPr>
+          <p:nvPr>
+            <p:ph idx="1"/>
+          </p:nvPr>
+        </p:nvSpPr>
+        <p:spPr/>
+        <p:txBody>
+          <a:bodyPr/>
+          <a:lstStyle/>
+          <a:p>
+            <a:r>
+              <a:rPr lang="en-IN" dirty="0"/>
+              <a:t>10.10.10.0/24(vpc-00803ca13eb2f19f6)(subnet-0569462c63c8134e7)</a:t>
+            </a:r>
+          </a:p>
+          <a:p>
+            <a:r>
+              <a:rPr lang="en-IN" dirty="0"/>
+              <a:t>igw-0761f1dbc045eb106</a:t>
+            </a:r>
+          </a:p>
+        </p:txBody>
+      </p:sp>
+      <p:sp>
+        <p:nvSpPr>
+          <p:cNvPr id="4" name="Rectangle: Rounded Corners 3">
+            <a:extLst>
+              <a:ext uri="{FF2B5EF4-FFF2-40B4-BE49-F238E27FC236}">
+                <a16:creationId xmlns:a16="http://schemas.microsoft.com/office/drawing/2014/main" id="{65FC12C0-DEA0-49EE-9562-80E96920E3D1}"/>
+              </a:ext>
+            </a:extLst>
+          </p:cNvPr>
+          <p:cNvSpPr/>
+          <p:nvPr/>
+        </p:nvSpPr>
+        <p:spPr>
+          <a:xfrm>
+            <a:off x="2521527" y="2863273"/>
+            <a:ext cx="7315200" cy="3251200"/>
+          </a:xfrm>
+          <a:prstGeom prst="roundRect">
+            <a:avLst/>
+          </a:prstGeom>
+        </p:spPr>
+        <p:style>
+          <a:lnRef idx="2">
+            <a:schemeClr val="accent4">
+              <a:shade val="50000"/>
+            </a:schemeClr>
+          </a:lnRef>
+          <a:fillRef idx="1">
+            <a:schemeClr val="accent4"/>
+          </a:fillRef>
+          <a:effectRef idx="0">
+            <a:schemeClr val="accent4"/>
+          </a:effectRef>
+          <a:fontRef idx="minor">
+            <a:schemeClr val="lt1"/>
+          </a:fontRef>
+        </p:style>
+        <p:txBody>
+          <a:bodyPr rtlCol="0" anchor="ctr"/>
+          <a:lstStyle/>
+          <a:p>
+            <a:pPr algn="ctr"/>
+            <a:r>
+              <a:rPr lang="en-IN"/>
+              <a:t>10.10.10.0/24</a:t>
+            </a:r>
+            <a:endParaRPr lang="en-IN" dirty="0"/>
+          </a:p>
+        </p:txBody>
+      </p:sp>
+      <p:sp>
+        <p:nvSpPr>
+          <p:cNvPr id="5" name="Rectangle: Rounded Corners 4">
+            <a:extLst>
+              <a:ext uri="{FF2B5EF4-FFF2-40B4-BE49-F238E27FC236}">
+                <a16:creationId xmlns:a16="http://schemas.microsoft.com/office/drawing/2014/main" id="{549BF0BE-5E81-4F5D-B610-2979681CF14C}"/>
+              </a:ext>
+            </a:extLst>
+          </p:cNvPr>
+          <p:cNvSpPr/>
+          <p:nvPr/>
+        </p:nvSpPr>
+        <p:spPr>
+          <a:xfrm>
+            <a:off x="2886363" y="3163455"/>
+            <a:ext cx="6585528" cy="2650836"/>
+          </a:xfrm>
+          <a:prstGeom prst="roundRect">
+            <a:avLst/>
+          </a:prstGeom>
+        </p:spPr>
+        <p:style>
+          <a:lnRef idx="2">
+            <a:schemeClr val="accent2">
+              <a:shade val="50000"/>
+            </a:schemeClr>
+          </a:lnRef>
+          <a:fillRef idx="1">
+            <a:schemeClr val="accent2"/>
+          </a:fillRef>
+          <a:effectRef idx="0">
+            <a:schemeClr val="accent2"/>
+          </a:effectRef>
+          <a:fontRef idx="minor">
+            <a:schemeClr val="lt1"/>
+          </a:fontRef>
+        </p:style>
+        <p:txBody>
+          <a:bodyPr rtlCol="0" anchor="ctr"/>
+          <a:lstStyle/>
+          <a:p>
+            <a:pPr algn="ctr"/>
+            <a:r>
+              <a:rPr lang="en-IN" dirty="0"/>
+              <a:t>10.10.10.0/24</a:t>
+            </a:r>
+          </a:p>
+        </p:txBody>
+      </p:sp>
+      <p:sp>
+        <p:nvSpPr>
+          <p:cNvPr id="6" name="Rectangle: Rounded Corners 5">
+            <a:extLst>
+              <a:ext uri="{FF2B5EF4-FFF2-40B4-BE49-F238E27FC236}">
+                <a16:creationId xmlns:a16="http://schemas.microsoft.com/office/drawing/2014/main" id="{A50B1618-F1F0-43CE-B34A-ABDA36C8961F}"/>
+              </a:ext>
+            </a:extLst>
+          </p:cNvPr>
+          <p:cNvSpPr/>
+          <p:nvPr/>
+        </p:nvSpPr>
+        <p:spPr>
+          <a:xfrm>
+            <a:off x="508000" y="3163455"/>
+            <a:ext cx="1265382" cy="1131454"/>
+          </a:xfrm>
+          <a:prstGeom prst="roundRect">
+            <a:avLst/>
+          </a:prstGeom>
+        </p:spPr>
+        <p:style>
+          <a:lnRef idx="2">
+            <a:schemeClr val="accent2">
+              <a:shade val="50000"/>
+            </a:schemeClr>
+          </a:lnRef>
+          <a:fillRef idx="1">
+            <a:schemeClr val="accent2"/>
+          </a:fillRef>
+          <a:effectRef idx="0">
+            <a:schemeClr val="accent2"/>
+          </a:effectRef>
+          <a:fontRef idx="minor">
+            <a:schemeClr val="lt1"/>
+          </a:fontRef>
+        </p:style>
+        <p:txBody>
+          <a:bodyPr rtlCol="0" anchor="ctr"/>
+          <a:lstStyle/>
+          <a:p>
+            <a:pPr algn="ctr"/>
+            <a:r>
+              <a:rPr lang="en-IN" dirty="0"/>
+              <a:t>RT</a:t>
+            </a:r>
+          </a:p>
+        </p:txBody>
+      </p:sp>
+      <p:sp>
+        <p:nvSpPr>
+          <p:cNvPr id="7" name="Rectangle: Rounded Corners 6">
+            <a:extLst>
+              <a:ext uri="{FF2B5EF4-FFF2-40B4-BE49-F238E27FC236}">
+                <a16:creationId xmlns:a16="http://schemas.microsoft.com/office/drawing/2014/main" id="{AF22B0BC-64F2-41E9-AACD-08DE5B01A00C}"/>
+              </a:ext>
+            </a:extLst>
+          </p:cNvPr>
+          <p:cNvSpPr/>
+          <p:nvPr/>
+        </p:nvSpPr>
+        <p:spPr>
+          <a:xfrm>
+            <a:off x="508000" y="4992119"/>
+            <a:ext cx="1265382" cy="1131454"/>
+          </a:xfrm>
+          <a:prstGeom prst="roundRect">
+            <a:avLst/>
+          </a:prstGeom>
+        </p:spPr>
+        <p:style>
+          <a:lnRef idx="2">
+            <a:schemeClr val="accent4">
+              <a:shade val="50000"/>
+            </a:schemeClr>
+          </a:lnRef>
+          <a:fillRef idx="1">
+            <a:schemeClr val="accent4"/>
+          </a:fillRef>
+          <a:effectRef idx="0">
+            <a:schemeClr val="accent4"/>
+          </a:effectRef>
+          <a:fontRef idx="minor">
+            <a:schemeClr val="lt1"/>
+          </a:fontRef>
+        </p:style>
+        <p:txBody>
+          <a:bodyPr rtlCol="0" anchor="ctr"/>
+          <a:lstStyle/>
+          <a:p>
+            <a:pPr algn="ctr"/>
+            <a:r>
+              <a:rPr lang="en-IN" dirty="0"/>
+              <a:t>IGW</a:t>
+            </a:r>
+          </a:p>
+        </p:txBody>
+      </p:sp>
+      <p:sp>
+        <p:nvSpPr>
+          <p:cNvPr id="9" name="Arrow: Left-Right 8">
+            <a:extLst>
+              <a:ext uri="{FF2B5EF4-FFF2-40B4-BE49-F238E27FC236}">
+                <a16:creationId xmlns:a16="http://schemas.microsoft.com/office/drawing/2014/main" id="{4A90A238-71AD-425F-A22A-167B03F29852}"/>
+              </a:ext>
+            </a:extLst>
+          </p:cNvPr>
+          <p:cNvSpPr/>
+          <p:nvPr/>
+        </p:nvSpPr>
+        <p:spPr>
+          <a:xfrm>
+            <a:off x="1773382" y="3583709"/>
+            <a:ext cx="748145" cy="480291"/>
+          </a:xfrm>
+          <a:prstGeom prst="leftRightArrow">
+            <a:avLst/>
+          </a:prstGeom>
+        </p:spPr>
+        <p:style>
+          <a:lnRef idx="2">
+            <a:schemeClr val="accent1">
+              <a:shade val="50000"/>
+            </a:schemeClr>
+          </a:lnRef>
+          <a:fillRef idx="1">
+            <a:schemeClr val="accent1"/>
+          </a:fillRef>
+          <a:effectRef idx="0">
+            <a:schemeClr val="accent1"/>
+          </a:effectRef>
+          <a:fontRef idx="minor">
+            <a:schemeClr val="lt1"/>
+          </a:fontRef>
+        </p:style>
+        <p:txBody>
+          <a:bodyPr rtlCol="0" anchor="ctr"/>
+          <a:lstStyle/>
+          <a:p>
+            <a:pPr algn="ctr"/>
+            <a:endParaRPr lang="en-IN"/>
+          </a:p>
+        </p:txBody>
+      </p:sp>
+      <p:sp>
+        <p:nvSpPr>
+          <p:cNvPr id="10" name="Arrow: Up-Down 9">
+            <a:extLst>
+              <a:ext uri="{FF2B5EF4-FFF2-40B4-BE49-F238E27FC236}">
+                <a16:creationId xmlns:a16="http://schemas.microsoft.com/office/drawing/2014/main" id="{0722EDFE-3921-4C60-9ED1-1E00C572E3DB}"/>
+              </a:ext>
+            </a:extLst>
+          </p:cNvPr>
+          <p:cNvSpPr/>
+          <p:nvPr/>
+        </p:nvSpPr>
+        <p:spPr>
+          <a:xfrm>
+            <a:off x="979055" y="4263670"/>
+            <a:ext cx="526472" cy="728449"/>
+          </a:xfrm>
+          <a:prstGeom prst="upDownArrow">
+            <a:avLst/>
+          </a:prstGeom>
+        </p:spPr>
+        <p:style>
+          <a:lnRef idx="2">
+            <a:schemeClr val="accent1">
+              <a:shade val="50000"/>
+            </a:schemeClr>
+          </a:lnRef>
+          <a:fillRef idx="1">
+            <a:schemeClr val="accent1"/>
+          </a:fillRef>
+          <a:effectRef idx="0">
+            <a:schemeClr val="accent1"/>
+          </a:effectRef>
+          <a:fontRef idx="minor">
+            <a:schemeClr val="lt1"/>
+          </a:fontRef>
+        </p:style>
+        <p:txBody>
+          <a:bodyPr rtlCol="0" anchor="ctr"/>
+          <a:lstStyle/>
+          <a:p>
+            <a:pPr algn="ctr"/>
+            <a:endParaRPr lang="en-IN"/>
+          </a:p>
+        </p:txBody>
+      </p:sp>
+    </p:spTree>
+    <p:extLst>
+      <p:ext uri="{BB962C8B-B14F-4D97-AF65-F5344CB8AC3E}">
+        <p14:creationId xmlns:p14="http://schemas.microsoft.com/office/powerpoint/2010/main" val="910498545"/>
+      </p:ext>
+    </p:extLst>
+  </p:cSld>
+  <p:clrMapOvr>
+    <a:masterClrMapping/>
+  </p:clrMapOvr>
+</p:sld>
+</file>
+
+<file path=ppt/slides/slide24.xml><?xml version="1.0" encoding="utf-8"?>
+<p:sld xmlns:a="http://schemas.openxmlformats.org/drawingml/2006/main" xmlns:r="http://schemas.openxmlformats.org/officeDocument/2006/relationships" xmlns:p="http://schemas.openxmlformats.org/presentationml/2006/main">
+  <p:cSld>
+    <p:spTree>
+      <p:nvGrpSpPr>
+        <p:cNvPr id="1" name=""/>
+        <p:cNvGrpSpPr/>
+        <p:nvPr/>
+      </p:nvGrpSpPr>
+      <p:grpSpPr>
+        <a:xfrm>
+          <a:off x="0" y="0"/>
+          <a:ext cx="0" cy="0"/>
+          <a:chOff x="0" y="0"/>
+          <a:chExt cx="0" cy="0"/>
+        </a:xfrm>
+      </p:grpSpPr>
+      <p:sp>
+        <p:nvSpPr>
+          <p:cNvPr id="2" name="Title 1">
+            <a:extLst>
+              <a:ext uri="{FF2B5EF4-FFF2-40B4-BE49-F238E27FC236}">
+                <a16:creationId xmlns:a16="http://schemas.microsoft.com/office/drawing/2014/main" id="{A486484E-1D76-4B7B-836F-2A23632D80A1}"/>
+              </a:ext>
+            </a:extLst>
+          </p:cNvPr>
+          <p:cNvSpPr>
+            <a:spLocks noGrp="1"/>
+          </p:cNvSpPr>
+          <p:nvPr>
+            <p:ph type="title"/>
+          </p:nvPr>
+        </p:nvSpPr>
+        <p:spPr/>
+        <p:txBody>
+          <a:bodyPr/>
+          <a:lstStyle/>
+          <a:p>
+            <a:r>
+              <a:rPr lang="en-IN" dirty="0"/>
+              <a:t>Cloud Academy</a:t>
+            </a:r>
+          </a:p>
+        </p:txBody>
+      </p:sp>
+      <p:sp>
+        <p:nvSpPr>
+          <p:cNvPr id="3" name="Content Placeholder 2">
+            <a:extLst>
+              <a:ext uri="{FF2B5EF4-FFF2-40B4-BE49-F238E27FC236}">
+                <a16:creationId xmlns:a16="http://schemas.microsoft.com/office/drawing/2014/main" id="{DB459781-A5CA-4841-A05F-CEF031C55F97}"/>
+              </a:ext>
+            </a:extLst>
+          </p:cNvPr>
+          <p:cNvSpPr>
+            <a:spLocks noGrp="1"/>
+          </p:cNvSpPr>
+          <p:nvPr>
+            <p:ph idx="1"/>
+          </p:nvPr>
+        </p:nvSpPr>
+        <p:spPr/>
+        <p:txBody>
+          <a:bodyPr/>
+          <a:lstStyle/>
+          <a:p>
+            <a:r>
+              <a:rPr lang="en-IN" dirty="0"/>
+              <a:t>IAM ROLES – Provides the privilege from one AWS service to another AWS service</a:t>
+            </a:r>
+          </a:p>
+          <a:p>
+            <a:r>
+              <a:rPr lang="en-IN" dirty="0"/>
+              <a:t>RedShift – S3</a:t>
+            </a:r>
+          </a:p>
+          <a:p>
+            <a:r>
+              <a:rPr lang="en-IN" dirty="0"/>
+              <a:t>Load the data from Redshift to s3 because of that purpose we need to create the role</a:t>
+            </a:r>
+          </a:p>
+          <a:p>
+            <a:r>
+              <a:rPr lang="en-IN" dirty="0"/>
+              <a:t>Role Name – </a:t>
+            </a:r>
+            <a:r>
+              <a:rPr lang="en-IN" dirty="0" err="1"/>
+              <a:t>caredshiftlab</a:t>
+            </a:r>
+            <a:endParaRPr lang="en-IN" dirty="0"/>
+          </a:p>
+          <a:p>
+            <a:r>
+              <a:rPr lang="en-IN" dirty="0" err="1"/>
+              <a:t>arn:aws:iam</a:t>
+            </a:r>
+            <a:r>
+              <a:rPr lang="en-IN" dirty="0"/>
+              <a:t>::194287215961:role/</a:t>
+            </a:r>
+            <a:r>
+              <a:rPr lang="en-IN" dirty="0" err="1"/>
+              <a:t>caredshiftlab</a:t>
+            </a:r>
+            <a:endParaRPr lang="en-IN" dirty="0"/>
+          </a:p>
+        </p:txBody>
+      </p:sp>
+    </p:spTree>
+    <p:extLst>
+      <p:ext uri="{BB962C8B-B14F-4D97-AF65-F5344CB8AC3E}">
+        <p14:creationId xmlns:p14="http://schemas.microsoft.com/office/powerpoint/2010/main" val="1084578146"/>
+      </p:ext>
+    </p:extLst>
+  </p:cSld>
+  <p:clrMapOvr>
+    <a:masterClrMapping/>
+  </p:clrMapOvr>
+</p:sld>
+</file>
+
+<file path=ppt/slides/slide25.xml><?xml version="1.0" encoding="utf-8"?>
+<p:sld xmlns:a="http://schemas.openxmlformats.org/drawingml/2006/main" xmlns:r="http://schemas.openxmlformats.org/officeDocument/2006/relationships" xmlns:p="http://schemas.openxmlformats.org/presentationml/2006/main">
+  <p:cSld>
+    <p:spTree>
+      <p:nvGrpSpPr>
+        <p:cNvPr id="1" name=""/>
+        <p:cNvGrpSpPr/>
+        <p:nvPr/>
+      </p:nvGrpSpPr>
+      <p:grpSpPr>
+        <a:xfrm>
+          <a:off x="0" y="0"/>
+          <a:ext cx="0" cy="0"/>
+          <a:chOff x="0" y="0"/>
+          <a:chExt cx="0" cy="0"/>
+        </a:xfrm>
+      </p:grpSpPr>
+      <p:sp>
+        <p:nvSpPr>
+          <p:cNvPr id="2" name="Title 1">
+            <a:extLst>
+              <a:ext uri="{FF2B5EF4-FFF2-40B4-BE49-F238E27FC236}">
+                <a16:creationId xmlns:a16="http://schemas.microsoft.com/office/drawing/2014/main" id="{CEF1BEB0-A754-4246-A39D-7AA7DDD5AC0F}"/>
+              </a:ext>
+            </a:extLst>
+          </p:cNvPr>
+          <p:cNvSpPr>
+            <a:spLocks noGrp="1"/>
+          </p:cNvSpPr>
+          <p:nvPr>
+            <p:ph type="title"/>
+          </p:nvPr>
+        </p:nvSpPr>
+        <p:spPr/>
+        <p:txBody>
+          <a:bodyPr/>
+          <a:lstStyle/>
+          <a:p>
+            <a:endParaRPr lang="en-IN"/>
+          </a:p>
+        </p:txBody>
+      </p:sp>
+      <p:sp>
+        <p:nvSpPr>
+          <p:cNvPr id="3" name="Content Placeholder 2">
+            <a:extLst>
+              <a:ext uri="{FF2B5EF4-FFF2-40B4-BE49-F238E27FC236}">
+                <a16:creationId xmlns:a16="http://schemas.microsoft.com/office/drawing/2014/main" id="{8A841E1D-2CD2-4CF8-9C54-AD405DB4CBC8}"/>
+              </a:ext>
+            </a:extLst>
+          </p:cNvPr>
+          <p:cNvSpPr>
+            <a:spLocks noGrp="1"/>
+          </p:cNvSpPr>
+          <p:nvPr>
+            <p:ph idx="1"/>
+          </p:nvPr>
+        </p:nvSpPr>
+        <p:spPr/>
+        <p:txBody>
+          <a:bodyPr/>
+          <a:lstStyle/>
+          <a:p>
+            <a:r>
+              <a:rPr lang="en-IN" dirty="0"/>
+              <a:t>ca-redshift-lab.ccslvigagkpw.us-west-2.redshift.amazonaws.com</a:t>
+            </a:r>
+          </a:p>
+          <a:p>
+            <a:r>
+              <a:rPr lang="en-IN" dirty="0"/>
+              <a:t>S3 to redshift – load</a:t>
+            </a:r>
+          </a:p>
+          <a:p>
+            <a:r>
+              <a:rPr lang="en-IN" dirty="0"/>
+              <a:t>Redshift to s3 - unload</a:t>
+            </a:r>
+          </a:p>
+          <a:p>
+            <a:endParaRPr lang="en-IN" dirty="0"/>
+          </a:p>
+        </p:txBody>
+      </p:sp>
+    </p:spTree>
+    <p:extLst>
+      <p:ext uri="{BB962C8B-B14F-4D97-AF65-F5344CB8AC3E}">
+        <p14:creationId xmlns:p14="http://schemas.microsoft.com/office/powerpoint/2010/main" val="2004622912"/>
       </p:ext>
     </p:extLst>
   </p:cSld>
